--- a/ppt/shakyou-03-02_mute.pptx
+++ b/ppt/shakyou-03-02_mute.pptx
@@ -7730,15 +7730,8 @@
               <a:rPr lang="en-US" altLang="ja-JP" dirty="0">
                 <a:hlinkClick r:id="rId3"/>
               </a:rPr>
-              <a:t>https://</a:t>
-            </a:r>
-            <a:r>
-              <a:rPr lang="en-US" altLang="ja-JP" dirty="0" smtClean="0">
-                <a:hlinkClick r:id="rId3"/>
-              </a:rPr>
-              <a:t>raw.githubusercontent.com/yammmt/tel.min/master/resource/mute.png</a:t>
-            </a:r>
-            <a:endParaRPr lang="en-US" altLang="ja-JP" dirty="0" smtClean="0"/>
+              <a:t>http://goo.gl/6dXYeQ</a:t>
+            </a:r>
           </a:p>
           <a:p>
             <a:pPr marL="0" indent="0">
@@ -7748,35 +7741,15 @@
               <a:rPr lang="en-US" altLang="ja-JP" dirty="0">
                 <a:hlinkClick r:id="rId4"/>
               </a:rPr>
-              <a:t>https://</a:t>
+              <a:t>http://</a:t>
             </a:r>
             <a:r>
               <a:rPr lang="en-US" altLang="ja-JP" dirty="0" smtClean="0">
                 <a:hlinkClick r:id="rId4"/>
               </a:rPr>
-              <a:t>raw.githubusercontent.com/yammmt/tel.min/master/resource/unmute.png</a:t>
+              <a:t>goo.gl/5aLNv3</a:t>
             </a:r>
             <a:endParaRPr lang="en-US" altLang="ja-JP" dirty="0" smtClean="0"/>
-          </a:p>
-          <a:p>
-            <a:pPr marL="0" indent="0">
-              <a:buNone/>
-            </a:pPr>
-            <a:endParaRPr kumimoji="1" lang="en-US" altLang="ja-JP" dirty="0"/>
-          </a:p>
-          <a:p>
-            <a:pPr marL="0" indent="0">
-              <a:buNone/>
-            </a:pPr>
-            <a:r>
-              <a:rPr kumimoji="1" lang="en-US" altLang="ja-JP" dirty="0" smtClean="0"/>
-              <a:t>※</a:t>
-            </a:r>
-            <a:r>
-              <a:rPr kumimoji="1" lang="ja-JP" altLang="en-US" dirty="0" smtClean="0"/>
-              <a:t>アドレスは短縮します</a:t>
-            </a:r>
-            <a:endParaRPr kumimoji="1" lang="ja-JP" altLang="en-US" dirty="0"/>
           </a:p>
         </p:txBody>
       </p:sp>

--- a/ppt/shakyou-03-02_mute.pptx
+++ b/ppt/shakyou-03-02_mute.pptx
@@ -208,7 +208,7 @@
             <a:fld id="{AA7E3CD2-F544-424C-83B7-5469CABB5EAB}" type="datetimeFigureOut">
               <a:rPr kumimoji="1" lang="ja-JP" altLang="en-US" smtClean="0"/>
               <a:pPr/>
-              <a:t>2014/8/20</a:t>
+              <a:t>2014/8/21</a:t>
             </a:fld>
             <a:endParaRPr kumimoji="1" lang="ja-JP" altLang="en-US"/>
           </a:p>
@@ -1318,7 +1318,7 @@
             <a:fld id="{7BE36F36-C336-4843-B5E5-61E3CB8BB96E}" type="datetime1">
               <a:rPr kumimoji="1" lang="ja-JP" altLang="en-US" smtClean="0"/>
               <a:pPr/>
-              <a:t>2014/8/20</a:t>
+              <a:t>2014/8/21</a:t>
             </a:fld>
             <a:endParaRPr kumimoji="1" lang="ja-JP" altLang="en-US"/>
           </a:p>
@@ -1526,7 +1526,7 @@
             <a:fld id="{65DC8D98-48E1-4E1D-80C7-69971399A4F5}" type="datetime1">
               <a:rPr kumimoji="1" lang="ja-JP" altLang="en-US" smtClean="0"/>
               <a:pPr/>
-              <a:t>2014/8/20</a:t>
+              <a:t>2014/8/21</a:t>
             </a:fld>
             <a:endParaRPr kumimoji="1" lang="ja-JP" altLang="en-US"/>
           </a:p>
@@ -1740,7 +1740,7 @@
             <a:fld id="{4907E772-4A16-4077-8822-7F8D7D6CC32B}" type="datetime1">
               <a:rPr kumimoji="1" lang="ja-JP" altLang="en-US" smtClean="0"/>
               <a:pPr/>
-              <a:t>2014/8/20</a:t>
+              <a:t>2014/8/21</a:t>
             </a:fld>
             <a:endParaRPr kumimoji="1" lang="ja-JP" altLang="en-US"/>
           </a:p>
@@ -1944,7 +1944,7 @@
             <a:fld id="{D4698AB1-08EF-48D3-9FDD-37BE6343CAF2}" type="datetime1">
               <a:rPr kumimoji="1" lang="ja-JP" altLang="en-US" smtClean="0"/>
               <a:pPr/>
-              <a:t>2014/8/20</a:t>
+              <a:t>2014/8/21</a:t>
             </a:fld>
             <a:endParaRPr kumimoji="1" lang="ja-JP" altLang="en-US"/>
           </a:p>
@@ -2237,7 +2237,7 @@
             <a:fld id="{EC9C08AB-F6CC-43F1-AD42-7622A9C10AA6}" type="datetime1">
               <a:rPr kumimoji="1" lang="ja-JP" altLang="en-US" smtClean="0"/>
               <a:pPr/>
-              <a:t>2014/8/20</a:t>
+              <a:t>2014/8/21</a:t>
             </a:fld>
             <a:endParaRPr kumimoji="1" lang="ja-JP" altLang="en-US"/>
           </a:p>
@@ -2591,7 +2591,7 @@
             <a:fld id="{BABF097B-29FE-41E4-8222-EA4CF3AA8E80}" type="datetime1">
               <a:rPr kumimoji="1" lang="ja-JP" altLang="en-US" smtClean="0"/>
               <a:pPr/>
-              <a:t>2014/8/20</a:t>
+              <a:t>2014/8/21</a:t>
             </a:fld>
             <a:endParaRPr kumimoji="1" lang="ja-JP" altLang="en-US"/>
           </a:p>
@@ -3079,7 +3079,7 @@
             <a:fld id="{506E54C2-3D9B-4C8A-977F-D69F548B939E}" type="datetime1">
               <a:rPr kumimoji="1" lang="ja-JP" altLang="en-US" smtClean="0"/>
               <a:pPr/>
-              <a:t>2014/8/20</a:t>
+              <a:t>2014/8/21</a:t>
             </a:fld>
             <a:endParaRPr kumimoji="1" lang="ja-JP" altLang="en-US"/>
           </a:p>
@@ -3199,7 +3199,7 @@
             <a:fld id="{4DCD06F0-9D97-4ACB-99DB-B75D3980CB1B}" type="datetime1">
               <a:rPr kumimoji="1" lang="ja-JP" altLang="en-US" smtClean="0"/>
               <a:pPr/>
-              <a:t>2014/8/20</a:t>
+              <a:t>2014/8/21</a:t>
             </a:fld>
             <a:endParaRPr kumimoji="1" lang="ja-JP" altLang="en-US"/>
           </a:p>
@@ -3296,7 +3296,7 @@
             <a:fld id="{4ADF33DA-4EC5-4200-99B6-78D47F43E25D}" type="datetime1">
               <a:rPr kumimoji="1" lang="ja-JP" altLang="en-US" smtClean="0"/>
               <a:pPr/>
-              <a:t>2014/8/20</a:t>
+              <a:t>2014/8/21</a:t>
             </a:fld>
             <a:endParaRPr kumimoji="1" lang="ja-JP" altLang="en-US"/>
           </a:p>
@@ -3607,7 +3607,7 @@
             <a:fld id="{356D3538-9246-4E9A-9809-9FB3563566DA}" type="datetime1">
               <a:rPr kumimoji="1" lang="ja-JP" altLang="en-US" smtClean="0"/>
               <a:pPr/>
-              <a:t>2014/8/20</a:t>
+              <a:t>2014/8/21</a:t>
             </a:fld>
             <a:endParaRPr kumimoji="1" lang="ja-JP" altLang="en-US"/>
           </a:p>
@@ -3862,7 +3862,7 @@
             <a:fld id="{4C485872-50AC-46A0-A84A-FA3997D040AE}" type="datetime1">
               <a:rPr kumimoji="1" lang="ja-JP" altLang="en-US" smtClean="0"/>
               <a:pPr/>
-              <a:t>2014/8/20</a:t>
+              <a:t>2014/8/21</a:t>
             </a:fld>
             <a:endParaRPr kumimoji="1" lang="ja-JP" altLang="en-US"/>
           </a:p>
@@ -4109,7 +4109,7 @@
             <a:fld id="{01904AEC-30CC-4759-A3F9-CBAF364DED08}" type="datetime1">
               <a:rPr kumimoji="1" lang="ja-JP" altLang="en-US" smtClean="0"/>
               <a:pPr/>
-              <a:t>2014/8/20</a:t>
+              <a:t>2014/8/21</a:t>
             </a:fld>
             <a:endParaRPr kumimoji="1" lang="ja-JP" altLang="en-US"/>
           </a:p>
@@ -4924,8 +4924,29 @@
                   <a:srgbClr val="0070C0"/>
                 </a:solidFill>
               </a:rPr>
-              <a:t> = 1;</a:t>
-            </a:r>
+              <a:t> </a:t>
+            </a:r>
+            <a:r>
+              <a:rPr lang="en-US" altLang="ja-JP">
+                <a:solidFill>
+                  <a:srgbClr val="0070C0"/>
+                </a:solidFill>
+              </a:rPr>
+              <a:t>= </a:t>
+            </a:r>
+            <a:r>
+              <a:rPr lang="en-US" altLang="ja-JP" smtClean="0">
+                <a:solidFill>
+                  <a:srgbClr val="0070C0"/>
+                </a:solidFill>
+              </a:rPr>
+              <a:t>0.2;</a:t>
+            </a:r>
+            <a:endParaRPr lang="en-US" altLang="ja-JP" dirty="0">
+              <a:solidFill>
+                <a:srgbClr val="0070C0"/>
+              </a:solidFill>
+            </a:endParaRPr>
           </a:p>
           <a:p>
             <a:pPr marL="0" indent="0">

--- a/ppt/shakyou-03-02_mute.pptx
+++ b/ppt/shakyou-03-02_mute.pptx
@@ -5345,8 +5345,21 @@
                   <a:srgbClr val="0070C0"/>
                 </a:solidFill>
               </a:rPr>
-              <a:t> = true;</a:t>
-            </a:r>
+              <a:t> = </a:t>
+            </a:r>
+            <a:r>
+              <a:rPr lang="en-US" altLang="ja-JP" dirty="0" smtClean="0">
+                <a:solidFill>
+                  <a:srgbClr val="0070C0"/>
+                </a:solidFill>
+              </a:rPr>
+              <a:t>false;</a:t>
+            </a:r>
+            <a:endParaRPr lang="en-US" altLang="ja-JP" dirty="0">
+              <a:solidFill>
+                <a:srgbClr val="0070C0"/>
+              </a:solidFill>
+            </a:endParaRPr>
           </a:p>
           <a:p>
             <a:pPr marL="0" indent="0">
@@ -8626,7 +8639,23 @@
                   <a:srgbClr val="0070C0"/>
                 </a:solidFill>
               </a:rPr>
-              <a:t>="resource/mute.png" id="</a:t>
+              <a:t>="</a:t>
+            </a:r>
+            <a:r>
+              <a:rPr lang="en-US" altLang="ja-JP" dirty="0" smtClean="0">
+                <a:solidFill>
+                  <a:srgbClr val="0070C0"/>
+                </a:solidFill>
+              </a:rPr>
+              <a:t>resource/unmute.png</a:t>
+            </a:r>
+            <a:r>
+              <a:rPr lang="en-US" altLang="ja-JP" dirty="0" smtClean="0">
+                <a:solidFill>
+                  <a:srgbClr val="0070C0"/>
+                </a:solidFill>
+              </a:rPr>
+              <a:t>" id="</a:t>
             </a:r>
             <a:r>
               <a:rPr lang="en-US" altLang="ja-JP" dirty="0" err="1" smtClean="0">
